--- a/week-02/2ndWeekPresentation.pptx
+++ b/week-02/2ndWeekPresentation.pptx
@@ -4,8 +4,12 @@
   <p:sldMasterIdLst>
     <p:sldMasterId id="2147483648" r:id="rId1"/>
   </p:sldMasterIdLst>
+  <p:notesMasterIdLst>
+    <p:notesMasterId r:id="rId4"/>
+  </p:notesMasterIdLst>
   <p:sldIdLst>
     <p:sldId id="256" r:id="rId2"/>
+    <p:sldId id="257" r:id="rId3"/>
   </p:sldIdLst>
   <p:sldSz cx="12192000" cy="6858000"/>
   <p:notesSz cx="6858000" cy="9144000"/>
@@ -107,6 +111,356 @@
 </p:presentation>
 </file>
 
+<file path=ppt/notesMasters/notesMaster1.xml><?xml version="1.0" encoding="utf-8"?>
+<p:notesMaster xmlns:a="http://schemas.openxmlformats.org/drawingml/2006/main" xmlns:r="http://schemas.openxmlformats.org/officeDocument/2006/relationships" xmlns:p="http://schemas.openxmlformats.org/presentationml/2006/main">
+  <p:cSld>
+    <p:bg>
+      <p:bgRef idx="1001">
+        <a:schemeClr val="bg1"/>
+      </p:bgRef>
+    </p:bg>
+    <p:spTree>
+      <p:nvGrpSpPr>
+        <p:cNvPr id="1" name=""/>
+        <p:cNvGrpSpPr/>
+        <p:nvPr/>
+      </p:nvGrpSpPr>
+      <p:grpSpPr>
+        <a:xfrm>
+          <a:off x="0" y="0"/>
+          <a:ext cx="0" cy="0"/>
+          <a:chOff x="0" y="0"/>
+          <a:chExt cx="0" cy="0"/>
+        </a:xfrm>
+      </p:grpSpPr>
+      <p:sp>
+        <p:nvSpPr>
+          <p:cNvPr id="2" name="Élőfej helye 1"/>
+          <p:cNvSpPr>
+            <a:spLocks noGrp="1"/>
+          </p:cNvSpPr>
+          <p:nvPr>
+            <p:ph type="hdr" sz="quarter"/>
+          </p:nvPr>
+        </p:nvSpPr>
+        <p:spPr>
+          <a:xfrm>
+            <a:off x="0" y="0"/>
+            <a:ext cx="2971800" cy="458788"/>
+          </a:xfrm>
+          <a:prstGeom prst="rect">
+            <a:avLst/>
+          </a:prstGeom>
+        </p:spPr>
+        <p:txBody>
+          <a:bodyPr vert="horz" lIns="91440" tIns="45720" rIns="91440" bIns="45720" rtlCol="0"/>
+          <a:lstStyle>
+            <a:lvl1pPr algn="l">
+              <a:defRPr sz="1200"/>
+            </a:lvl1pPr>
+          </a:lstStyle>
+          <a:p>
+            <a:endParaRPr lang="hu-HU"/>
+          </a:p>
+        </p:txBody>
+      </p:sp>
+      <p:sp>
+        <p:nvSpPr>
+          <p:cNvPr id="3" name="Dátum helye 2"/>
+          <p:cNvSpPr>
+            <a:spLocks noGrp="1"/>
+          </p:cNvSpPr>
+          <p:nvPr>
+            <p:ph type="dt" idx="1"/>
+          </p:nvPr>
+        </p:nvSpPr>
+        <p:spPr>
+          <a:xfrm>
+            <a:off x="3884613" y="0"/>
+            <a:ext cx="2971800" cy="458788"/>
+          </a:xfrm>
+          <a:prstGeom prst="rect">
+            <a:avLst/>
+          </a:prstGeom>
+        </p:spPr>
+        <p:txBody>
+          <a:bodyPr vert="horz" lIns="91440" tIns="45720" rIns="91440" bIns="45720" rtlCol="0"/>
+          <a:lstStyle>
+            <a:lvl1pPr algn="r">
+              <a:defRPr sz="1200"/>
+            </a:lvl1pPr>
+          </a:lstStyle>
+          <a:p>
+            <a:fld id="{202660EF-28FF-4E41-9DB2-63D0EEDC6EBF}" type="datetimeFigureOut">
+              <a:rPr lang="hu-HU" smtClean="0"/>
+              <a:t>2017. 09. 15.</a:t>
+            </a:fld>
+            <a:endParaRPr lang="hu-HU"/>
+          </a:p>
+        </p:txBody>
+      </p:sp>
+      <p:sp>
+        <p:nvSpPr>
+          <p:cNvPr id="4" name="Diakép helye 3"/>
+          <p:cNvSpPr>
+            <a:spLocks noGrp="1" noRot="1" noChangeAspect="1"/>
+          </p:cNvSpPr>
+          <p:nvPr>
+            <p:ph type="sldImg" idx="2"/>
+          </p:nvPr>
+        </p:nvSpPr>
+        <p:spPr>
+          <a:xfrm>
+            <a:off x="685800" y="1143000"/>
+            <a:ext cx="5486400" cy="3086100"/>
+          </a:xfrm>
+          <a:prstGeom prst="rect">
+            <a:avLst/>
+          </a:prstGeom>
+          <a:noFill/>
+          <a:ln w="12700">
+            <a:solidFill>
+              <a:prstClr val="black"/>
+            </a:solidFill>
+          </a:ln>
+        </p:spPr>
+        <p:txBody>
+          <a:bodyPr vert="horz" lIns="91440" tIns="45720" rIns="91440" bIns="45720" rtlCol="0" anchor="ctr"/>
+          <a:lstStyle/>
+          <a:p>
+            <a:endParaRPr lang="hu-HU"/>
+          </a:p>
+        </p:txBody>
+      </p:sp>
+      <p:sp>
+        <p:nvSpPr>
+          <p:cNvPr id="5" name="Jegyzetek helye 4"/>
+          <p:cNvSpPr>
+            <a:spLocks noGrp="1"/>
+          </p:cNvSpPr>
+          <p:nvPr>
+            <p:ph type="body" sz="quarter" idx="3"/>
+          </p:nvPr>
+        </p:nvSpPr>
+        <p:spPr>
+          <a:xfrm>
+            <a:off x="685800" y="4400550"/>
+            <a:ext cx="5486400" cy="3600450"/>
+          </a:xfrm>
+          <a:prstGeom prst="rect">
+            <a:avLst/>
+          </a:prstGeom>
+        </p:spPr>
+        <p:txBody>
+          <a:bodyPr vert="horz" lIns="91440" tIns="45720" rIns="91440" bIns="45720" rtlCol="0"/>
+          <a:lstStyle/>
+          <a:p>
+            <a:pPr lvl="0"/>
+            <a:r>
+              <a:rPr lang="hu-HU" smtClean="0"/>
+              <a:t>Mintaszöveg szerkesztése</a:t>
+            </a:r>
+          </a:p>
+          <a:p>
+            <a:pPr lvl="1"/>
+            <a:r>
+              <a:rPr lang="hu-HU" smtClean="0"/>
+              <a:t>Második szint</a:t>
+            </a:r>
+          </a:p>
+          <a:p>
+            <a:pPr lvl="2"/>
+            <a:r>
+              <a:rPr lang="hu-HU" smtClean="0"/>
+              <a:t>Harmadik szint</a:t>
+            </a:r>
+          </a:p>
+          <a:p>
+            <a:pPr lvl="3"/>
+            <a:r>
+              <a:rPr lang="hu-HU" smtClean="0"/>
+              <a:t>Negyedik szint</a:t>
+            </a:r>
+          </a:p>
+          <a:p>
+            <a:pPr lvl="4"/>
+            <a:r>
+              <a:rPr lang="hu-HU" smtClean="0"/>
+              <a:t>Ötödik szint</a:t>
+            </a:r>
+            <a:endParaRPr lang="hu-HU"/>
+          </a:p>
+        </p:txBody>
+      </p:sp>
+      <p:sp>
+        <p:nvSpPr>
+          <p:cNvPr id="6" name="Élőláb helye 5"/>
+          <p:cNvSpPr>
+            <a:spLocks noGrp="1"/>
+          </p:cNvSpPr>
+          <p:nvPr>
+            <p:ph type="ftr" sz="quarter" idx="4"/>
+          </p:nvPr>
+        </p:nvSpPr>
+        <p:spPr>
+          <a:xfrm>
+            <a:off x="0" y="8685213"/>
+            <a:ext cx="2971800" cy="458787"/>
+          </a:xfrm>
+          <a:prstGeom prst="rect">
+            <a:avLst/>
+          </a:prstGeom>
+        </p:spPr>
+        <p:txBody>
+          <a:bodyPr vert="horz" lIns="91440" tIns="45720" rIns="91440" bIns="45720" rtlCol="0" anchor="b"/>
+          <a:lstStyle>
+            <a:lvl1pPr algn="l">
+              <a:defRPr sz="1200"/>
+            </a:lvl1pPr>
+          </a:lstStyle>
+          <a:p>
+            <a:endParaRPr lang="hu-HU"/>
+          </a:p>
+        </p:txBody>
+      </p:sp>
+      <p:sp>
+        <p:nvSpPr>
+          <p:cNvPr id="7" name="Dia számának helye 6"/>
+          <p:cNvSpPr>
+            <a:spLocks noGrp="1"/>
+          </p:cNvSpPr>
+          <p:nvPr>
+            <p:ph type="sldNum" sz="quarter" idx="5"/>
+          </p:nvPr>
+        </p:nvSpPr>
+        <p:spPr>
+          <a:xfrm>
+            <a:off x="3884613" y="8685213"/>
+            <a:ext cx="2971800" cy="458787"/>
+          </a:xfrm>
+          <a:prstGeom prst="rect">
+            <a:avLst/>
+          </a:prstGeom>
+        </p:spPr>
+        <p:txBody>
+          <a:bodyPr vert="horz" lIns="91440" tIns="45720" rIns="91440" bIns="45720" rtlCol="0" anchor="b"/>
+          <a:lstStyle>
+            <a:lvl1pPr algn="r">
+              <a:defRPr sz="1200"/>
+            </a:lvl1pPr>
+          </a:lstStyle>
+          <a:p>
+            <a:fld id="{BEEEC792-8594-4C76-918B-6CE5CC2E602F}" type="slidenum">
+              <a:rPr lang="hu-HU" smtClean="0"/>
+              <a:t>‹#›</a:t>
+            </a:fld>
+            <a:endParaRPr lang="hu-HU"/>
+          </a:p>
+        </p:txBody>
+      </p:sp>
+    </p:spTree>
+    <p:extLst>
+      <p:ext uri="{BB962C8B-B14F-4D97-AF65-F5344CB8AC3E}">
+        <p14:creationId xmlns:p14="http://schemas.microsoft.com/office/powerpoint/2010/main" val="3317564400"/>
+      </p:ext>
+    </p:extLst>
+  </p:cSld>
+  <p:clrMap bg1="lt1" tx1="dk1" bg2="lt2" tx2="dk2" accent1="accent1" accent2="accent2" accent3="accent3" accent4="accent4" accent5="accent5" accent6="accent6" hlink="hlink" folHlink="folHlink"/>
+  <p:notesStyle>
+    <a:lvl1pPr marL="0" algn="l" defTabSz="914400" rtl="0" eaLnBrk="1" latinLnBrk="0" hangingPunct="1">
+      <a:defRPr sz="1200" kern="1200">
+        <a:solidFill>
+          <a:schemeClr val="tx1"/>
+        </a:solidFill>
+        <a:latin typeface="+mn-lt"/>
+        <a:ea typeface="+mn-ea"/>
+        <a:cs typeface="+mn-cs"/>
+      </a:defRPr>
+    </a:lvl1pPr>
+    <a:lvl2pPr marL="457200" algn="l" defTabSz="914400" rtl="0" eaLnBrk="1" latinLnBrk="0" hangingPunct="1">
+      <a:defRPr sz="1200" kern="1200">
+        <a:solidFill>
+          <a:schemeClr val="tx1"/>
+        </a:solidFill>
+        <a:latin typeface="+mn-lt"/>
+        <a:ea typeface="+mn-ea"/>
+        <a:cs typeface="+mn-cs"/>
+      </a:defRPr>
+    </a:lvl2pPr>
+    <a:lvl3pPr marL="914400" algn="l" defTabSz="914400" rtl="0" eaLnBrk="1" latinLnBrk="0" hangingPunct="1">
+      <a:defRPr sz="1200" kern="1200">
+        <a:solidFill>
+          <a:schemeClr val="tx1"/>
+        </a:solidFill>
+        <a:latin typeface="+mn-lt"/>
+        <a:ea typeface="+mn-ea"/>
+        <a:cs typeface="+mn-cs"/>
+      </a:defRPr>
+    </a:lvl3pPr>
+    <a:lvl4pPr marL="1371600" algn="l" defTabSz="914400" rtl="0" eaLnBrk="1" latinLnBrk="0" hangingPunct="1">
+      <a:defRPr sz="1200" kern="1200">
+        <a:solidFill>
+          <a:schemeClr val="tx1"/>
+        </a:solidFill>
+        <a:latin typeface="+mn-lt"/>
+        <a:ea typeface="+mn-ea"/>
+        <a:cs typeface="+mn-cs"/>
+      </a:defRPr>
+    </a:lvl4pPr>
+    <a:lvl5pPr marL="1828800" algn="l" defTabSz="914400" rtl="0" eaLnBrk="1" latinLnBrk="0" hangingPunct="1">
+      <a:defRPr sz="1200" kern="1200">
+        <a:solidFill>
+          <a:schemeClr val="tx1"/>
+        </a:solidFill>
+        <a:latin typeface="+mn-lt"/>
+        <a:ea typeface="+mn-ea"/>
+        <a:cs typeface="+mn-cs"/>
+      </a:defRPr>
+    </a:lvl5pPr>
+    <a:lvl6pPr marL="2286000" algn="l" defTabSz="914400" rtl="0" eaLnBrk="1" latinLnBrk="0" hangingPunct="1">
+      <a:defRPr sz="1200" kern="1200">
+        <a:solidFill>
+          <a:schemeClr val="tx1"/>
+        </a:solidFill>
+        <a:latin typeface="+mn-lt"/>
+        <a:ea typeface="+mn-ea"/>
+        <a:cs typeface="+mn-cs"/>
+      </a:defRPr>
+    </a:lvl6pPr>
+    <a:lvl7pPr marL="2743200" algn="l" defTabSz="914400" rtl="0" eaLnBrk="1" latinLnBrk="0" hangingPunct="1">
+      <a:defRPr sz="1200" kern="1200">
+        <a:solidFill>
+          <a:schemeClr val="tx1"/>
+        </a:solidFill>
+        <a:latin typeface="+mn-lt"/>
+        <a:ea typeface="+mn-ea"/>
+        <a:cs typeface="+mn-cs"/>
+      </a:defRPr>
+    </a:lvl7pPr>
+    <a:lvl8pPr marL="3200400" algn="l" defTabSz="914400" rtl="0" eaLnBrk="1" latinLnBrk="0" hangingPunct="1">
+      <a:defRPr sz="1200" kern="1200">
+        <a:solidFill>
+          <a:schemeClr val="tx1"/>
+        </a:solidFill>
+        <a:latin typeface="+mn-lt"/>
+        <a:ea typeface="+mn-ea"/>
+        <a:cs typeface="+mn-cs"/>
+      </a:defRPr>
+    </a:lvl8pPr>
+    <a:lvl9pPr marL="3657600" algn="l" defTabSz="914400" rtl="0" eaLnBrk="1" latinLnBrk="0" hangingPunct="1">
+      <a:defRPr sz="1200" kern="1200">
+        <a:solidFill>
+          <a:schemeClr val="tx1"/>
+        </a:solidFill>
+        <a:latin typeface="+mn-lt"/>
+        <a:ea typeface="+mn-ea"/>
+        <a:cs typeface="+mn-cs"/>
+      </a:defRPr>
+    </a:lvl9pPr>
+  </p:notesStyle>
+</p:notesMaster>
+</file>
+
 <file path=ppt/slideLayouts/slideLayout1.xml><?xml version="1.0" encoding="utf-8"?>
 <p:sldLayout xmlns:a="http://schemas.openxmlformats.org/drawingml/2006/main" xmlns:r="http://schemas.openxmlformats.org/officeDocument/2006/relationships" xmlns:p="http://schemas.openxmlformats.org/presentationml/2006/main" type="title" preserve="1">
   <p:cSld name="Címdia">
@@ -236,9 +590,9 @@
           <a:bodyPr/>
           <a:lstStyle/>
           <a:p>
-            <a:fld id="{DD538A21-1C19-4476-B505-7C16B1799682}" type="datetimeFigureOut">
-              <a:rPr lang="hu-HU" smtClean="0"/>
-              <a:t>2017. 09. 15.</a:t>
+            <a:fld id="{3ED091E5-D97B-4A44-BCB0-758E4944DA41}" type="datetime1">
+              <a:rPr lang="en-GB" smtClean="0"/>
+              <a:t>15/09/2017</a:t>
             </a:fld>
             <a:endParaRPr lang="hu-HU"/>
           </a:p>
@@ -259,6 +613,10 @@
           <a:bodyPr/>
           <a:lstStyle/>
           <a:p>
+            <a:r>
+              <a:rPr lang="hu-HU" smtClean="0"/>
+              <a:t>Vilmos Csibi</a:t>
+            </a:r>
             <a:endParaRPr lang="hu-HU"/>
           </a:p>
         </p:txBody>
@@ -406,9 +764,9 @@
           <a:bodyPr/>
           <a:lstStyle/>
           <a:p>
-            <a:fld id="{DD538A21-1C19-4476-B505-7C16B1799682}" type="datetimeFigureOut">
-              <a:rPr lang="hu-HU" smtClean="0"/>
-              <a:t>2017. 09. 15.</a:t>
+            <a:fld id="{E66272E7-00DD-4E56-98CF-69A889E14038}" type="datetime1">
+              <a:rPr lang="en-GB" smtClean="0"/>
+              <a:t>15/09/2017</a:t>
             </a:fld>
             <a:endParaRPr lang="hu-HU"/>
           </a:p>
@@ -429,6 +787,10 @@
           <a:bodyPr/>
           <a:lstStyle/>
           <a:p>
+            <a:r>
+              <a:rPr lang="hu-HU" smtClean="0"/>
+              <a:t>Vilmos Csibi</a:t>
+            </a:r>
             <a:endParaRPr lang="hu-HU"/>
           </a:p>
         </p:txBody>
@@ -586,9 +948,9 @@
           <a:bodyPr/>
           <a:lstStyle/>
           <a:p>
-            <a:fld id="{DD538A21-1C19-4476-B505-7C16B1799682}" type="datetimeFigureOut">
-              <a:rPr lang="hu-HU" smtClean="0"/>
-              <a:t>2017. 09. 15.</a:t>
+            <a:fld id="{0BBD12CC-2782-425D-B55E-C80CD5FEBD55}" type="datetime1">
+              <a:rPr lang="en-GB" smtClean="0"/>
+              <a:t>15/09/2017</a:t>
             </a:fld>
             <a:endParaRPr lang="hu-HU"/>
           </a:p>
@@ -609,6 +971,10 @@
           <a:bodyPr/>
           <a:lstStyle/>
           <a:p>
+            <a:r>
+              <a:rPr lang="hu-HU" smtClean="0"/>
+              <a:t>Vilmos Csibi</a:t>
+            </a:r>
             <a:endParaRPr lang="hu-HU"/>
           </a:p>
         </p:txBody>
@@ -756,9 +1122,9 @@
           <a:bodyPr/>
           <a:lstStyle/>
           <a:p>
-            <a:fld id="{DD538A21-1C19-4476-B505-7C16B1799682}" type="datetimeFigureOut">
-              <a:rPr lang="hu-HU" smtClean="0"/>
-              <a:t>2017. 09. 15.</a:t>
+            <a:fld id="{EC205508-0ABB-4EF3-A491-711CE3AC42A5}" type="datetime1">
+              <a:rPr lang="en-GB" smtClean="0"/>
+              <a:t>15/09/2017</a:t>
             </a:fld>
             <a:endParaRPr lang="hu-HU"/>
           </a:p>
@@ -779,6 +1145,10 @@
           <a:bodyPr/>
           <a:lstStyle/>
           <a:p>
+            <a:r>
+              <a:rPr lang="hu-HU" smtClean="0"/>
+              <a:t>Vilmos Csibi</a:t>
+            </a:r>
             <a:endParaRPr lang="hu-HU"/>
           </a:p>
         </p:txBody>
@@ -1002,9 +1372,9 @@
           <a:bodyPr/>
           <a:lstStyle/>
           <a:p>
-            <a:fld id="{DD538A21-1C19-4476-B505-7C16B1799682}" type="datetimeFigureOut">
-              <a:rPr lang="hu-HU" smtClean="0"/>
-              <a:t>2017. 09. 15.</a:t>
+            <a:fld id="{A459B1C6-726A-46A2-B307-EF0F16999FDE}" type="datetime1">
+              <a:rPr lang="en-GB" smtClean="0"/>
+              <a:t>15/09/2017</a:t>
             </a:fld>
             <a:endParaRPr lang="hu-HU"/>
           </a:p>
@@ -1025,6 +1395,10 @@
           <a:bodyPr/>
           <a:lstStyle/>
           <a:p>
+            <a:r>
+              <a:rPr lang="hu-HU" smtClean="0"/>
+              <a:t>Vilmos Csibi</a:t>
+            </a:r>
             <a:endParaRPr lang="hu-HU"/>
           </a:p>
         </p:txBody>
@@ -1234,9 +1608,9 @@
           <a:bodyPr/>
           <a:lstStyle/>
           <a:p>
-            <a:fld id="{DD538A21-1C19-4476-B505-7C16B1799682}" type="datetimeFigureOut">
-              <a:rPr lang="hu-HU" smtClean="0"/>
-              <a:t>2017. 09. 15.</a:t>
+            <a:fld id="{3ECBAD0B-E744-4B00-AE8E-6E916503F3D0}" type="datetime1">
+              <a:rPr lang="en-GB" smtClean="0"/>
+              <a:t>15/09/2017</a:t>
             </a:fld>
             <a:endParaRPr lang="hu-HU"/>
           </a:p>
@@ -1257,6 +1631,10 @@
           <a:bodyPr/>
           <a:lstStyle/>
           <a:p>
+            <a:r>
+              <a:rPr lang="hu-HU" smtClean="0"/>
+              <a:t>Vilmos Csibi</a:t>
+            </a:r>
             <a:endParaRPr lang="hu-HU"/>
           </a:p>
         </p:txBody>
@@ -1601,9 +1979,9 @@
           <a:bodyPr/>
           <a:lstStyle/>
           <a:p>
-            <a:fld id="{DD538A21-1C19-4476-B505-7C16B1799682}" type="datetimeFigureOut">
-              <a:rPr lang="hu-HU" smtClean="0"/>
-              <a:t>2017. 09. 15.</a:t>
+            <a:fld id="{9643FBE2-750F-4994-91F3-7F62FA5A7047}" type="datetime1">
+              <a:rPr lang="en-GB" smtClean="0"/>
+              <a:t>15/09/2017</a:t>
             </a:fld>
             <a:endParaRPr lang="hu-HU"/>
           </a:p>
@@ -1624,6 +2002,10 @@
           <a:bodyPr/>
           <a:lstStyle/>
           <a:p>
+            <a:r>
+              <a:rPr lang="hu-HU" smtClean="0"/>
+              <a:t>Vilmos Csibi</a:t>
+            </a:r>
             <a:endParaRPr lang="hu-HU"/>
           </a:p>
         </p:txBody>
@@ -1719,9 +2101,9 @@
           <a:bodyPr/>
           <a:lstStyle/>
           <a:p>
-            <a:fld id="{DD538A21-1C19-4476-B505-7C16B1799682}" type="datetimeFigureOut">
-              <a:rPr lang="hu-HU" smtClean="0"/>
-              <a:t>2017. 09. 15.</a:t>
+            <a:fld id="{C750BD73-178F-44E0-B797-8D9C2D28ED89}" type="datetime1">
+              <a:rPr lang="en-GB" smtClean="0"/>
+              <a:t>15/09/2017</a:t>
             </a:fld>
             <a:endParaRPr lang="hu-HU"/>
           </a:p>
@@ -1742,6 +2124,10 @@
           <a:bodyPr/>
           <a:lstStyle/>
           <a:p>
+            <a:r>
+              <a:rPr lang="hu-HU" smtClean="0"/>
+              <a:t>Vilmos Csibi</a:t>
+            </a:r>
             <a:endParaRPr lang="hu-HU"/>
           </a:p>
         </p:txBody>
@@ -1814,9 +2200,9 @@
           <a:bodyPr/>
           <a:lstStyle/>
           <a:p>
-            <a:fld id="{DD538A21-1C19-4476-B505-7C16B1799682}" type="datetimeFigureOut">
-              <a:rPr lang="hu-HU" smtClean="0"/>
-              <a:t>2017. 09. 15.</a:t>
+            <a:fld id="{BE9C6CB5-FE03-4D66-8567-2111D608F6B3}" type="datetime1">
+              <a:rPr lang="en-GB" smtClean="0"/>
+              <a:t>15/09/2017</a:t>
             </a:fld>
             <a:endParaRPr lang="hu-HU"/>
           </a:p>
@@ -1837,6 +2223,10 @@
           <a:bodyPr/>
           <a:lstStyle/>
           <a:p>
+            <a:r>
+              <a:rPr lang="hu-HU" smtClean="0"/>
+              <a:t>Vilmos Csibi</a:t>
+            </a:r>
             <a:endParaRPr lang="hu-HU"/>
           </a:p>
         </p:txBody>
@@ -2091,9 +2481,9 @@
           <a:bodyPr/>
           <a:lstStyle/>
           <a:p>
-            <a:fld id="{DD538A21-1C19-4476-B505-7C16B1799682}" type="datetimeFigureOut">
-              <a:rPr lang="hu-HU" smtClean="0"/>
-              <a:t>2017. 09. 15.</a:t>
+            <a:fld id="{E47C69B9-1E34-4222-BB6C-1730E1980581}" type="datetime1">
+              <a:rPr lang="en-GB" smtClean="0"/>
+              <a:t>15/09/2017</a:t>
             </a:fld>
             <a:endParaRPr lang="hu-HU"/>
           </a:p>
@@ -2114,6 +2504,10 @@
           <a:bodyPr/>
           <a:lstStyle/>
           <a:p>
+            <a:r>
+              <a:rPr lang="hu-HU" smtClean="0"/>
+              <a:t>Vilmos Csibi</a:t>
+            </a:r>
             <a:endParaRPr lang="hu-HU"/>
           </a:p>
         </p:txBody>
@@ -2344,9 +2738,9 @@
           <a:bodyPr/>
           <a:lstStyle/>
           <a:p>
-            <a:fld id="{DD538A21-1C19-4476-B505-7C16B1799682}" type="datetimeFigureOut">
-              <a:rPr lang="hu-HU" smtClean="0"/>
-              <a:t>2017. 09. 15.</a:t>
+            <a:fld id="{98DEB04B-6217-4F0D-88C3-0E8D3D23B3FD}" type="datetime1">
+              <a:rPr lang="en-GB" smtClean="0"/>
+              <a:t>15/09/2017</a:t>
             </a:fld>
             <a:endParaRPr lang="hu-HU"/>
           </a:p>
@@ -2367,6 +2761,10 @@
           <a:bodyPr/>
           <a:lstStyle/>
           <a:p>
+            <a:r>
+              <a:rPr lang="hu-HU" smtClean="0"/>
+              <a:t>Vilmos Csibi</a:t>
+            </a:r>
             <a:endParaRPr lang="hu-HU"/>
           </a:p>
         </p:txBody>
@@ -2557,9 +2955,9 @@
             </a:lvl1pPr>
           </a:lstStyle>
           <a:p>
-            <a:fld id="{DD538A21-1C19-4476-B505-7C16B1799682}" type="datetimeFigureOut">
-              <a:rPr lang="hu-HU" smtClean="0"/>
-              <a:t>2017. 09. 15.</a:t>
+            <a:fld id="{65133D58-E9A8-48F9-916A-86D6323649A9}" type="datetime1">
+              <a:rPr lang="en-GB" smtClean="0"/>
+              <a:t>15/09/2017</a:t>
             </a:fld>
             <a:endParaRPr lang="hu-HU"/>
           </a:p>
@@ -2598,6 +2996,10 @@
             </a:lvl1pPr>
           </a:lstStyle>
           <a:p>
+            <a:r>
+              <a:rPr lang="hu-HU" smtClean="0"/>
+              <a:t>Vilmos Csibi</a:t>
+            </a:r>
             <a:endParaRPr lang="hu-HU"/>
           </a:p>
         </p:txBody>
@@ -2664,6 +3066,7 @@
     <p:sldLayoutId id="2147483658" r:id="rId10"/>
     <p:sldLayoutId id="2147483659" r:id="rId11"/>
   </p:sldLayoutIdLst>
+  <p:hf sldNum="0" hdr="0" ftr="0" dt="0"/>
   <p:txStyles>
     <p:titleStyle>
       <a:lvl1pPr algn="l" defTabSz="914400" rtl="0" eaLnBrk="1" latinLnBrk="0" hangingPunct="1">
@@ -3039,7 +3442,7 @@
                 </a:solidFill>
                 <a:latin typeface="+mj-lt"/>
               </a:rPr>
-              <a:t>Missing Days</a:t>
+              <a:t>Foxes</a:t>
             </a:r>
             <a:endParaRPr lang="hu-HU" sz="3600" b="1" dirty="0" smtClean="0">
               <a:solidFill>
@@ -5805,7 +6208,7 @@
         <p:spPr>
           <a:xfrm>
             <a:off x="7920000" y="1440000"/>
-            <a:ext cx="3528000" cy="4462760"/>
+            <a:ext cx="3528000" cy="4493538"/>
           </a:xfrm>
           <a:prstGeom prst="rect">
             <a:avLst/>
@@ -5836,7 +6239,7 @@
           </a:p>
           <a:p>
             <a:r>
-              <a:rPr lang="hu-HU" sz="2800" b="1" dirty="0" smtClean="0">
+              <a:rPr lang="en-GB" sz="2800" b="1" dirty="0" smtClean="0">
                 <a:effectLst>
                   <a:outerShdw blurRad="38100" dist="38100" dir="2700000" algn="tl">
                     <a:srgbClr val="000000">
@@ -5846,15 +6249,31 @@
                 </a:effectLst>
                 <a:latin typeface="+mj-lt"/>
               </a:rPr>
-              <a:t>X</a:t>
-            </a:r>
-          </a:p>
-          <a:p>
+              <a:t>67</a:t>
+            </a:r>
+            <a:endParaRPr lang="hu-HU" sz="2800" b="1" dirty="0" smtClean="0">
+              <a:effectLst>
+                <a:outerShdw blurRad="38100" dist="38100" dir="2700000" algn="tl">
+                  <a:srgbClr val="000000">
+                    <a:alpha val="43137"/>
+                  </a:srgbClr>
+                </a:outerShdw>
+              </a:effectLst>
+              <a:latin typeface="+mj-lt"/>
+            </a:endParaRPr>
+          </a:p>
+          <a:p>
+            <a:r>
+              <a:rPr lang="hu-HU" sz="2000" i="1" dirty="0">
+                <a:latin typeface="+mj-lt"/>
+              </a:rPr>
+              <a:t>-</a:t>
+            </a:r>
             <a:r>
               <a:rPr lang="en-GB" sz="2000" i="1" dirty="0" smtClean="0">
                 <a:latin typeface="+mj-lt"/>
               </a:rPr>
-              <a:t>+ % growth</a:t>
+              <a:t> 14% decrease</a:t>
             </a:r>
             <a:endParaRPr lang="hu-HU" sz="2000" i="1" dirty="0" smtClean="0">
               <a:latin typeface="+mj-lt"/>
@@ -5913,7 +6332,10 @@
             </a:endParaRPr>
           </a:p>
           <a:p>
-            <a:endParaRPr lang="en-GB" sz="1600" dirty="0">
+            <a:endParaRPr lang="en-GB" b="1" dirty="0">
+              <a:solidFill>
+                <a:srgbClr val="419464"/>
+              </a:solidFill>
               <a:latin typeface="+mj-lt"/>
             </a:endParaRPr>
           </a:p>
@@ -5925,8 +6347,14 @@
                 </a:solidFill>
                 <a:latin typeface="+mj-lt"/>
               </a:rPr>
-              <a:t>New Language</a:t>
-            </a:r>
+              <a:t>Out Of Range</a:t>
+            </a:r>
+            <a:endParaRPr lang="en-GB" sz="3600" b="1" dirty="0">
+              <a:solidFill>
+                <a:srgbClr val="419464"/>
+              </a:solidFill>
+              <a:latin typeface="+mj-lt"/>
+            </a:endParaRPr>
           </a:p>
           <a:p>
             <a:r>
@@ -5940,7 +6368,7 @@
                 </a:effectLst>
                 <a:latin typeface="+mj-lt"/>
               </a:rPr>
-              <a:t>1</a:t>
+              <a:t>9999999999999999…</a:t>
             </a:r>
           </a:p>
           <a:p>
@@ -5948,10 +6376,49 @@
               <a:rPr lang="en-GB" sz="2000" i="1" dirty="0" smtClean="0">
                 <a:latin typeface="+mj-lt"/>
               </a:rPr>
-              <a:t>No Change</a:t>
+              <a:t>Why are you doing this to me?</a:t>
             </a:r>
             <a:endParaRPr lang="hu-HU" sz="2000" i="1" dirty="0">
               <a:latin typeface="+mj-lt"/>
+            </a:endParaRPr>
+          </a:p>
+        </p:txBody>
+      </p:sp>
+      <p:sp>
+        <p:nvSpPr>
+          <p:cNvPr id="81" name="Szövegdoboz 80"/>
+          <p:cNvSpPr txBox="1"/>
+          <p:nvPr/>
+        </p:nvSpPr>
+        <p:spPr>
+          <a:xfrm>
+            <a:off x="2666879" y="5809499"/>
+            <a:ext cx="841815" cy="369332"/>
+          </a:xfrm>
+          <a:prstGeom prst="rect">
+            <a:avLst/>
+          </a:prstGeom>
+          <a:noFill/>
+        </p:spPr>
+        <p:txBody>
+          <a:bodyPr wrap="square" rtlCol="0">
+            <a:spAutoFit/>
+          </a:bodyPr>
+          <a:lstStyle/>
+          <a:p>
+            <a:pPr algn="r"/>
+            <a:r>
+              <a:rPr lang="en-GB" b="1" dirty="0" err="1" smtClean="0">
+                <a:solidFill>
+                  <a:schemeClr val="bg1"/>
+                </a:solidFill>
+              </a:rPr>
+              <a:t>Vili</a:t>
+            </a:r>
+            <a:endParaRPr lang="hu-HU" b="1" dirty="0">
+              <a:solidFill>
+                <a:schemeClr val="bg1"/>
+              </a:solidFill>
             </a:endParaRPr>
           </a:p>
         </p:txBody>
@@ -5960,6 +6427,256 @@
     <p:extLst>
       <p:ext uri="{BB962C8B-B14F-4D97-AF65-F5344CB8AC3E}">
         <p14:creationId xmlns:p14="http://schemas.microsoft.com/office/powerpoint/2010/main" val="1682083567"/>
+      </p:ext>
+    </p:extLst>
+  </p:cSld>
+  <p:clrMapOvr>
+    <a:masterClrMapping/>
+  </p:clrMapOvr>
+</p:sld>
+</file>
+
+<file path=ppt/slides/slide2.xml><?xml version="1.0" encoding="utf-8"?>
+<p:sld xmlns:a="http://schemas.openxmlformats.org/drawingml/2006/main" xmlns:r="http://schemas.openxmlformats.org/officeDocument/2006/relationships" xmlns:p="http://schemas.openxmlformats.org/presentationml/2006/main">
+  <p:cSld>
+    <p:bg>
+      <p:bgPr>
+        <a:solidFill>
+          <a:srgbClr val="419464"/>
+        </a:solidFill>
+        <a:effectLst/>
+      </p:bgPr>
+    </p:bg>
+    <p:spTree>
+      <p:nvGrpSpPr>
+        <p:cNvPr id="1" name=""/>
+        <p:cNvGrpSpPr/>
+        <p:nvPr/>
+      </p:nvGrpSpPr>
+      <p:grpSpPr>
+        <a:xfrm>
+          <a:off x="0" y="0"/>
+          <a:ext cx="0" cy="0"/>
+          <a:chOff x="0" y="0"/>
+          <a:chExt cx="0" cy="0"/>
+        </a:xfrm>
+      </p:grpSpPr>
+      <p:sp>
+        <p:nvSpPr>
+          <p:cNvPr id="2" name="Szövegdoboz 1"/>
+          <p:cNvSpPr txBox="1"/>
+          <p:nvPr/>
+        </p:nvSpPr>
+        <p:spPr>
+          <a:xfrm>
+            <a:off x="629587" y="554636"/>
+            <a:ext cx="10583056" cy="4154984"/>
+          </a:xfrm>
+          <a:prstGeom prst="rect">
+            <a:avLst/>
+          </a:prstGeom>
+          <a:noFill/>
+        </p:spPr>
+        <p:txBody>
+          <a:bodyPr wrap="square" rtlCol="0">
+            <a:spAutoFit/>
+          </a:bodyPr>
+          <a:lstStyle/>
+          <a:p>
+            <a:pPr marL="571500" indent="-571500">
+              <a:buFont typeface="Arial" panose="020B0604020202020204" pitchFamily="34" charset="0"/>
+              <a:buChar char="•"/>
+            </a:pPr>
+            <a:r>
+              <a:rPr lang="en-GB" sz="4400" dirty="0" smtClean="0">
+                <a:solidFill>
+                  <a:schemeClr val="bg1"/>
+                </a:solidFill>
+              </a:rPr>
+              <a:t>Array vs List</a:t>
+            </a:r>
+          </a:p>
+          <a:p>
+            <a:pPr marL="571500" indent="-571500">
+              <a:buFont typeface="Arial" panose="020B0604020202020204" pitchFamily="34" charset="0"/>
+              <a:buChar char="•"/>
+            </a:pPr>
+            <a:r>
+              <a:rPr lang="en-GB" sz="4400" dirty="0" smtClean="0">
+                <a:solidFill>
+                  <a:schemeClr val="bg1"/>
+                </a:solidFill>
+              </a:rPr>
+              <a:t>Built</a:t>
+            </a:r>
+            <a:r>
+              <a:rPr lang="hu-HU" sz="4400" dirty="0" smtClean="0">
+                <a:solidFill>
+                  <a:schemeClr val="bg1"/>
+                </a:solidFill>
+              </a:rPr>
+              <a:t>-In </a:t>
+            </a:r>
+            <a:r>
+              <a:rPr lang="en-GB" sz="4400" dirty="0" smtClean="0">
+                <a:solidFill>
+                  <a:schemeClr val="bg1"/>
+                </a:solidFill>
+              </a:rPr>
+              <a:t>Methods</a:t>
+            </a:r>
+            <a:r>
+              <a:rPr lang="hu-HU" sz="4400" dirty="0" smtClean="0">
+                <a:solidFill>
+                  <a:schemeClr val="bg1"/>
+                </a:solidFill>
+              </a:rPr>
+              <a:t> </a:t>
+            </a:r>
+            <a:r>
+              <a:rPr lang="en-GB" sz="4400" dirty="0" smtClean="0">
+                <a:solidFill>
+                  <a:schemeClr val="bg1"/>
+                </a:solidFill>
+              </a:rPr>
+              <a:t>vs</a:t>
+            </a:r>
+            <a:r>
+              <a:rPr lang="hu-HU" sz="4400" dirty="0" smtClean="0">
+                <a:solidFill>
+                  <a:schemeClr val="bg1"/>
+                </a:solidFill>
+              </a:rPr>
+              <a:t> M</a:t>
+            </a:r>
+            <a:r>
+              <a:rPr lang="en-GB" sz="4400" dirty="0" smtClean="0">
+                <a:solidFill>
+                  <a:schemeClr val="bg1"/>
+                </a:solidFill>
+              </a:rPr>
+              <a:t>e</a:t>
+            </a:r>
+            <a:endParaRPr lang="hu-HU" sz="4400" dirty="0" smtClean="0">
+              <a:solidFill>
+                <a:schemeClr val="bg1"/>
+              </a:solidFill>
+            </a:endParaRPr>
+          </a:p>
+          <a:p>
+            <a:pPr marL="1028700" lvl="1" indent="-571500">
+              <a:buFont typeface="Arial" panose="020B0604020202020204" pitchFamily="34" charset="0"/>
+              <a:buChar char="•"/>
+            </a:pPr>
+            <a:r>
+              <a:rPr lang="en-GB" sz="4400" dirty="0" smtClean="0">
+                <a:solidFill>
+                  <a:schemeClr val="bg1"/>
+                </a:solidFill>
+              </a:rPr>
+              <a:t>Except</a:t>
+            </a:r>
+            <a:r>
+              <a:rPr lang="hu-HU" sz="4400" dirty="0" smtClean="0">
+                <a:solidFill>
+                  <a:schemeClr val="bg1"/>
+                </a:solidFill>
+              </a:rPr>
+              <a:t> „</a:t>
+            </a:r>
+            <a:r>
+              <a:rPr lang="en-GB" sz="4400" dirty="0" err="1" smtClean="0">
+                <a:solidFill>
+                  <a:schemeClr val="bg1"/>
+                </a:solidFill>
+              </a:rPr>
+              <a:t>Array.Sort</a:t>
+            </a:r>
+            <a:r>
+              <a:rPr lang="hu-HU" sz="4400" dirty="0" smtClean="0">
+                <a:solidFill>
+                  <a:schemeClr val="bg1"/>
+                </a:solidFill>
+              </a:rPr>
+              <a:t>”</a:t>
+            </a:r>
+            <a:endParaRPr lang="en-GB" sz="4400" dirty="0" smtClean="0">
+              <a:solidFill>
+                <a:schemeClr val="bg1"/>
+              </a:solidFill>
+            </a:endParaRPr>
+          </a:p>
+          <a:p>
+            <a:pPr marL="1028700" lvl="1" indent="-571500">
+              <a:buFont typeface="Arial" panose="020B0604020202020204" pitchFamily="34" charset="0"/>
+              <a:buChar char="•"/>
+            </a:pPr>
+            <a:r>
+              <a:rPr lang="en-GB" sz="4400" dirty="0" smtClean="0">
+                <a:solidFill>
+                  <a:schemeClr val="bg1"/>
+                </a:solidFill>
+              </a:rPr>
+              <a:t>Char vs Char*</a:t>
+            </a:r>
+            <a:endParaRPr lang="hu-HU" sz="4400" dirty="0" smtClean="0">
+              <a:solidFill>
+                <a:schemeClr val="bg1"/>
+              </a:solidFill>
+            </a:endParaRPr>
+          </a:p>
+          <a:p>
+            <a:pPr marL="1028700" lvl="1" indent="-571500">
+              <a:buFont typeface="Arial" panose="020B0604020202020204" pitchFamily="34" charset="0"/>
+              <a:buChar char="•"/>
+            </a:pPr>
+            <a:endParaRPr lang="hu-HU" sz="4400" dirty="0" smtClean="0">
+              <a:solidFill>
+                <a:schemeClr val="bg1"/>
+              </a:solidFill>
+            </a:endParaRPr>
+          </a:p>
+          <a:p>
+            <a:pPr marL="571500" indent="-571500">
+              <a:buFont typeface="Arial" panose="020B0604020202020204" pitchFamily="34" charset="0"/>
+              <a:buChar char="•"/>
+            </a:pPr>
+            <a:endParaRPr lang="hu-HU" sz="4400" dirty="0">
+              <a:solidFill>
+                <a:schemeClr val="bg1"/>
+              </a:solidFill>
+            </a:endParaRPr>
+          </a:p>
+        </p:txBody>
+      </p:sp>
+      <p:pic>
+        <p:nvPicPr>
+          <p:cNvPr id="3" name="Kép 2"/>
+          <p:cNvPicPr>
+            <a:picLocks noChangeAspect="1"/>
+          </p:cNvPicPr>
+          <p:nvPr/>
+        </p:nvPicPr>
+        <p:blipFill>
+          <a:blip r:embed="rId2"/>
+          <a:stretch>
+            <a:fillRect/>
+          </a:stretch>
+        </p:blipFill>
+        <p:spPr>
+          <a:xfrm>
+            <a:off x="1254411" y="3562275"/>
+            <a:ext cx="9822859" cy="1744246"/>
+          </a:xfrm>
+          <a:prstGeom prst="rect">
+            <a:avLst/>
+          </a:prstGeom>
+        </p:spPr>
+      </p:pic>
+    </p:spTree>
+    <p:extLst>
+      <p:ext uri="{BB962C8B-B14F-4D97-AF65-F5344CB8AC3E}">
+        <p14:creationId xmlns:p14="http://schemas.microsoft.com/office/powerpoint/2010/main" val="2754960152"/>
       </p:ext>
     </p:extLst>
   </p:cSld>
@@ -6228,4 +6945,265 @@
     </a:ext>
   </a:extLst>
 </a:theme>
+</file>
+
+<file path=ppt/theme/theme2.xml><?xml version="1.0" encoding="utf-8"?>
+<a:theme xmlns:a="http://schemas.openxmlformats.org/drawingml/2006/main" name="Office-téma">
+  <a:themeElements>
+    <a:clrScheme name="Office">
+      <a:dk1>
+        <a:sysClr val="windowText" lastClr="000000"/>
+      </a:dk1>
+      <a:lt1>
+        <a:sysClr val="window" lastClr="FFFFFF"/>
+      </a:lt1>
+      <a:dk2>
+        <a:srgbClr val="44546A"/>
+      </a:dk2>
+      <a:lt2>
+        <a:srgbClr val="E7E6E6"/>
+      </a:lt2>
+      <a:accent1>
+        <a:srgbClr val="5B9BD5"/>
+      </a:accent1>
+      <a:accent2>
+        <a:srgbClr val="ED7D31"/>
+      </a:accent2>
+      <a:accent3>
+        <a:srgbClr val="A5A5A5"/>
+      </a:accent3>
+      <a:accent4>
+        <a:srgbClr val="FFC000"/>
+      </a:accent4>
+      <a:accent5>
+        <a:srgbClr val="4472C4"/>
+      </a:accent5>
+      <a:accent6>
+        <a:srgbClr val="70AD47"/>
+      </a:accent6>
+      <a:hlink>
+        <a:srgbClr val="0563C1"/>
+      </a:hlink>
+      <a:folHlink>
+        <a:srgbClr val="954F72"/>
+      </a:folHlink>
+    </a:clrScheme>
+    <a:fontScheme name="Office">
+      <a:majorFont>
+        <a:latin typeface="Calibri Light" panose="020F0302020204030204"/>
+        <a:ea typeface=""/>
+        <a:cs typeface=""/>
+        <a:font script="Jpan" typeface="游ゴシック Light"/>
+        <a:font script="Hang" typeface="맑은 고딕"/>
+        <a:font script="Hans" typeface="等线 Light"/>
+        <a:font script="Hant" typeface="新細明體"/>
+        <a:font script="Arab" typeface="Times New Roman"/>
+        <a:font script="Hebr" typeface="Times New Roman"/>
+        <a:font script="Thai" typeface="Angsana New"/>
+        <a:font script="Ethi" typeface="Nyala"/>
+        <a:font script="Beng" typeface="Vrinda"/>
+        <a:font script="Gujr" typeface="Shruti"/>
+        <a:font script="Khmr" typeface="MoolBoran"/>
+        <a:font script="Knda" typeface="Tunga"/>
+        <a:font script="Guru" typeface="Raavi"/>
+        <a:font script="Cans" typeface="Euphemia"/>
+        <a:font script="Cher" typeface="Plantagenet Cherokee"/>
+        <a:font script="Yiii" typeface="Microsoft Yi Baiti"/>
+        <a:font script="Tibt" typeface="Microsoft Himalaya"/>
+        <a:font script="Thaa" typeface="MV Boli"/>
+        <a:font script="Deva" typeface="Mangal"/>
+        <a:font script="Telu" typeface="Gautami"/>
+        <a:font script="Taml" typeface="Latha"/>
+        <a:font script="Syrc" typeface="Estrangelo Edessa"/>
+        <a:font script="Orya" typeface="Kalinga"/>
+        <a:font script="Mlym" typeface="Kartika"/>
+        <a:font script="Laoo" typeface="DokChampa"/>
+        <a:font script="Sinh" typeface="Iskoola Pota"/>
+        <a:font script="Mong" typeface="Mongolian Baiti"/>
+        <a:font script="Viet" typeface="Times New Roman"/>
+        <a:font script="Uigh" typeface="Microsoft Uighur"/>
+        <a:font script="Geor" typeface="Sylfaen"/>
+      </a:majorFont>
+      <a:minorFont>
+        <a:latin typeface="Calibri" panose="020F0502020204030204"/>
+        <a:ea typeface=""/>
+        <a:cs typeface=""/>
+        <a:font script="Jpan" typeface="游ゴシック"/>
+        <a:font script="Hang" typeface="맑은 고딕"/>
+        <a:font script="Hans" typeface="等线"/>
+        <a:font script="Hant" typeface="新細明體"/>
+        <a:font script="Arab" typeface="Arial"/>
+        <a:font script="Hebr" typeface="Arial"/>
+        <a:font script="Thai" typeface="Cordia New"/>
+        <a:font script="Ethi" typeface="Nyala"/>
+        <a:font script="Beng" typeface="Vrinda"/>
+        <a:font script="Gujr" typeface="Shruti"/>
+        <a:font script="Khmr" typeface="DaunPenh"/>
+        <a:font script="Knda" typeface="Tunga"/>
+        <a:font script="Guru" typeface="Raavi"/>
+        <a:font script="Cans" typeface="Euphemia"/>
+        <a:font script="Cher" typeface="Plantagenet Cherokee"/>
+        <a:font script="Yiii" typeface="Microsoft Yi Baiti"/>
+        <a:font script="Tibt" typeface="Microsoft Himalaya"/>
+        <a:font script="Thaa" typeface="MV Boli"/>
+        <a:font script="Deva" typeface="Mangal"/>
+        <a:font script="Telu" typeface="Gautami"/>
+        <a:font script="Taml" typeface="Latha"/>
+        <a:font script="Syrc" typeface="Estrangelo Edessa"/>
+        <a:font script="Orya" typeface="Kalinga"/>
+        <a:font script="Mlym" typeface="Kartika"/>
+        <a:font script="Laoo" typeface="DokChampa"/>
+        <a:font script="Sinh" typeface="Iskoola Pota"/>
+        <a:font script="Mong" typeface="Mongolian Baiti"/>
+        <a:font script="Viet" typeface="Arial"/>
+        <a:font script="Uigh" typeface="Microsoft Uighur"/>
+        <a:font script="Geor" typeface="Sylfaen"/>
+      </a:minorFont>
+    </a:fontScheme>
+    <a:fmtScheme name="Office">
+      <a:fillStyleLst>
+        <a:solidFill>
+          <a:schemeClr val="phClr"/>
+        </a:solidFill>
+        <a:gradFill rotWithShape="1">
+          <a:gsLst>
+            <a:gs pos="0">
+              <a:schemeClr val="phClr">
+                <a:lumMod val="110000"/>
+                <a:satMod val="105000"/>
+                <a:tint val="67000"/>
+              </a:schemeClr>
+            </a:gs>
+            <a:gs pos="50000">
+              <a:schemeClr val="phClr">
+                <a:lumMod val="105000"/>
+                <a:satMod val="103000"/>
+                <a:tint val="73000"/>
+              </a:schemeClr>
+            </a:gs>
+            <a:gs pos="100000">
+              <a:schemeClr val="phClr">
+                <a:lumMod val="105000"/>
+                <a:satMod val="109000"/>
+                <a:tint val="81000"/>
+              </a:schemeClr>
+            </a:gs>
+          </a:gsLst>
+          <a:lin ang="5400000" scaled="0"/>
+        </a:gradFill>
+        <a:gradFill rotWithShape="1">
+          <a:gsLst>
+            <a:gs pos="0">
+              <a:schemeClr val="phClr">
+                <a:satMod val="103000"/>
+                <a:lumMod val="102000"/>
+                <a:tint val="94000"/>
+              </a:schemeClr>
+            </a:gs>
+            <a:gs pos="50000">
+              <a:schemeClr val="phClr">
+                <a:satMod val="110000"/>
+                <a:lumMod val="100000"/>
+                <a:shade val="100000"/>
+              </a:schemeClr>
+            </a:gs>
+            <a:gs pos="100000">
+              <a:schemeClr val="phClr">
+                <a:lumMod val="99000"/>
+                <a:satMod val="120000"/>
+                <a:shade val="78000"/>
+              </a:schemeClr>
+            </a:gs>
+          </a:gsLst>
+          <a:lin ang="5400000" scaled="0"/>
+        </a:gradFill>
+      </a:fillStyleLst>
+      <a:lnStyleLst>
+        <a:ln w="6350" cap="flat" cmpd="sng" algn="ctr">
+          <a:solidFill>
+            <a:schemeClr val="phClr"/>
+          </a:solidFill>
+          <a:prstDash val="solid"/>
+          <a:miter lim="800000"/>
+        </a:ln>
+        <a:ln w="12700" cap="flat" cmpd="sng" algn="ctr">
+          <a:solidFill>
+            <a:schemeClr val="phClr"/>
+          </a:solidFill>
+          <a:prstDash val="solid"/>
+          <a:miter lim="800000"/>
+        </a:ln>
+        <a:ln w="19050" cap="flat" cmpd="sng" algn="ctr">
+          <a:solidFill>
+            <a:schemeClr val="phClr"/>
+          </a:solidFill>
+          <a:prstDash val="solid"/>
+          <a:miter lim="800000"/>
+        </a:ln>
+      </a:lnStyleLst>
+      <a:effectStyleLst>
+        <a:effectStyle>
+          <a:effectLst/>
+        </a:effectStyle>
+        <a:effectStyle>
+          <a:effectLst/>
+        </a:effectStyle>
+        <a:effectStyle>
+          <a:effectLst>
+            <a:outerShdw blurRad="57150" dist="19050" dir="5400000" algn="ctr" rotWithShape="0">
+              <a:srgbClr val="000000">
+                <a:alpha val="63000"/>
+              </a:srgbClr>
+            </a:outerShdw>
+          </a:effectLst>
+        </a:effectStyle>
+      </a:effectStyleLst>
+      <a:bgFillStyleLst>
+        <a:solidFill>
+          <a:schemeClr val="phClr"/>
+        </a:solidFill>
+        <a:solidFill>
+          <a:schemeClr val="phClr">
+            <a:tint val="95000"/>
+            <a:satMod val="170000"/>
+          </a:schemeClr>
+        </a:solidFill>
+        <a:gradFill rotWithShape="1">
+          <a:gsLst>
+            <a:gs pos="0">
+              <a:schemeClr val="phClr">
+                <a:tint val="93000"/>
+                <a:satMod val="150000"/>
+                <a:shade val="98000"/>
+                <a:lumMod val="102000"/>
+              </a:schemeClr>
+            </a:gs>
+            <a:gs pos="50000">
+              <a:schemeClr val="phClr">
+                <a:tint val="98000"/>
+                <a:satMod val="130000"/>
+                <a:shade val="90000"/>
+                <a:lumMod val="103000"/>
+              </a:schemeClr>
+            </a:gs>
+            <a:gs pos="100000">
+              <a:schemeClr val="phClr">
+                <a:shade val="63000"/>
+                <a:satMod val="120000"/>
+              </a:schemeClr>
+            </a:gs>
+          </a:gsLst>
+          <a:lin ang="5400000" scaled="0"/>
+        </a:gradFill>
+      </a:bgFillStyleLst>
+    </a:fmtScheme>
+  </a:themeElements>
+  <a:objectDefaults/>
+  <a:extraClrSchemeLst/>
+  <a:extLst>
+    <a:ext uri="{05A4C25C-085E-4340-85A3-A5531E510DB2}">
+      <thm15:themeFamily xmlns:thm15="http://schemas.microsoft.com/office/thememl/2012/main" name="Office Theme" id="{62F939B6-93AF-4DB8-9C6B-D6C7DFDC589F}" vid="{4A3C46E8-61CC-4603-A589-7422A47A8E4A}"/>
+    </a:ext>
+  </a:extLst>
+</a:theme>
 </file>